--- a/Deliverables/12. PresentationSlides/Radiology Information System Presentatiion.pptx
+++ b/Deliverables/12. PresentationSlides/Radiology Information System Presentatiion.pptx
@@ -110,6 +110,11 @@
       </a:defRPr>
     </a:lvl9pPr>
   </p:defaultTextStyle>
+  <p:extLst>
+    <p:ext uri="{EFAFB233-063F-42B5-8137-9DF3F51BA10A}">
+      <p15:sldGuideLst xmlns:p15="http://schemas.microsoft.com/office/powerpoint/2012/main"/>
+    </p:ext>
+  </p:extLst>
 </p:presentation>
 </file>
 
@@ -7292,6 +7297,11 @@
               <a:rPr lang="en-US" dirty="0"/>
               <a:t>Heavy Replication of code inside the project while compartmentalized and easy to work with the number of files towards the end of development was around four times as many as needed. </a:t>
             </a:r>
+            <a:r>
+              <a:rPr lang="en-US"/>
+              <a:t>Think Ahead!</a:t>
+            </a:r>
+            <a:endParaRPr lang="en-US" dirty="0"/>
           </a:p>
         </p:txBody>
       </p:sp>
@@ -7778,18 +7788,18 @@
 </file>
 
 <file path=customXml/item2.xml><?xml version="1.0" encoding="utf-8"?>
+<p:properties xmlns:p="http://schemas.microsoft.com/office/2006/metadata/properties" xmlns:xsi="http://www.w3.org/2001/XMLSchema-instance" xmlns:pc="http://schemas.microsoft.com/office/infopath/2007/PartnerControls">
+  <documentManagement/>
+</p:properties>
+</file>
+
+<file path=customXml/item3.xml><?xml version="1.0" encoding="utf-8"?>
 <?mso-contentType ?>
 <FormTemplates xmlns="http://schemas.microsoft.com/sharepoint/v3/contenttype/forms">
   <Display>DocumentLibraryForm</Display>
   <Edit>DocumentLibraryForm</Edit>
   <New>DocumentLibraryForm</New>
 </FormTemplates>
-</file>
-
-<file path=customXml/item3.xml><?xml version="1.0" encoding="utf-8"?>
-<p:properties xmlns:p="http://schemas.microsoft.com/office/2006/metadata/properties" xmlns:xsi="http://www.w3.org/2001/XMLSchema-instance" xmlns:pc="http://schemas.microsoft.com/office/infopath/2007/PartnerControls">
-  <documentManagement/>
-</p:properties>
 </file>
 
 <file path=customXml/itemProps1.xml><?xml version="1.0" encoding="utf-8"?>
@@ -7812,14 +7822,6 @@
 </file>
 
 <file path=customXml/itemProps2.xml><?xml version="1.0" encoding="utf-8"?>
-<ds:datastoreItem xmlns:ds="http://schemas.openxmlformats.org/officeDocument/2006/customXml" ds:itemID="{9624AF35-B7A8-4630-A5A7-6B238A9D0E4F}">
-  <ds:schemaRefs>
-    <ds:schemaRef ds:uri="http://schemas.microsoft.com/sharepoint/v3/contenttype/forms"/>
-  </ds:schemaRefs>
-</ds:datastoreItem>
-</file>
-
-<file path=customXml/itemProps3.xml><?xml version="1.0" encoding="utf-8"?>
 <ds:datastoreItem xmlns:ds="http://schemas.openxmlformats.org/officeDocument/2006/customXml" ds:itemID="{E3C707E5-7E9A-4100-8989-E37D0E69520F}">
   <ds:schemaRefs>
     <ds:schemaRef ds:uri="http://schemas.microsoft.com/office/2006/metadata/properties"/>
@@ -7834,4 +7836,12 @@
     <ds:schemaRef ds:uri="c45b7c73-5d04-43a6-857c-82a97772bf18"/>
   </ds:schemaRefs>
 </ds:datastoreItem>
+</file>
+
+<file path=customXml/itemProps3.xml><?xml version="1.0" encoding="utf-8"?>
+<ds:datastoreItem xmlns:ds="http://schemas.openxmlformats.org/officeDocument/2006/customXml" ds:itemID="{9624AF35-B7A8-4630-A5A7-6B238A9D0E4F}">
+  <ds:schemaRefs>
+    <ds:schemaRef ds:uri="http://schemas.microsoft.com/sharepoint/v3/contenttype/forms"/>
+  </ds:schemaRefs>
+</ds:datastoreItem>
 </file>